--- a/RequirementAnalysis/server-interface-v2.pptx
+++ b/RequirementAnalysis/server-interface-v2.pptx
@@ -15888,7 +15888,7 @@
                         <a:tabLst/>
                       </a:pPr>
                       <a:r>
-                        <a:rPr kumimoji="1" lang="ja-JP" altLang="en-US" sz="1600" b="0" i="0" u="none" strike="noStrike" cap="none" normalizeH="0" baseline="0" smtClean="0">
+                        <a:rPr kumimoji="1" lang="ja-JP" altLang="en-US" sz="1600" b="0" i="0" u="none" strike="noStrike" cap="none" normalizeH="0" baseline="0" dirty="0" smtClean="0">
                           <a:ln>
                             <a:noFill/>
                           </a:ln>
@@ -15913,24 +15913,10 @@
                           <a:latin typeface="Times New Roman" panose="02020603050405020304" pitchFamily="18" charset="0"/>
                           <a:ea typeface="ＭＳ Ｐゴシック" panose="020B0600070205080204" pitchFamily="50" charset="-128"/>
                         </a:rPr>
-                        <a:t>、</a:t>
+                        <a:t>、また</a:t>
                       </a:r>
                       <a:r>
-                        <a:rPr kumimoji="1" lang="ja-JP" altLang="en-US" sz="1600" b="0" i="0" u="none" strike="noStrike" cap="none" normalizeH="0" baseline="0">
-                          <a:ln>
-                            <a:noFill/>
-                          </a:ln>
-                          <a:solidFill>
-                            <a:schemeClr val="tx1"/>
-                          </a:solidFill>
-                          <a:effectLst/>
-                          <a:latin typeface="Times New Roman" panose="02020603050405020304" pitchFamily="18" charset="0"/>
-                          <a:ea typeface="ＭＳ Ｐゴシック" panose="020B0600070205080204" pitchFamily="50" charset="-128"/>
-                        </a:rPr>
-                        <a:t>また</a:t>
-                      </a:r>
-                      <a:r>
-                        <a:rPr kumimoji="1" lang="ja-JP" altLang="en-US" sz="1600" b="0" i="0" u="none" strike="noStrike" cap="none" normalizeH="0" baseline="0" smtClean="0">
+                        <a:rPr kumimoji="1" lang="ja-JP" altLang="en-US" sz="1600" b="0" i="0" u="none" strike="noStrike" cap="none" normalizeH="0" baseline="0" dirty="0" smtClean="0">
                           <a:ln>
                             <a:noFill/>
                           </a:ln>
